--- a/Roll-A-Ball.pptx
+++ b/Roll-A-Ball.pptx
@@ -11,9 +11,9 @@
     <p:sldId id="257" r:id="rId2"/>
     <p:sldId id="261" r:id="rId3"/>
     <p:sldId id="262" r:id="rId4"/>
-    <p:sldId id="263" r:id="rId5"/>
-    <p:sldId id="266" r:id="rId6"/>
-    <p:sldId id="264" r:id="rId7"/>
+    <p:sldId id="267" r:id="rId5"/>
+    <p:sldId id="264" r:id="rId6"/>
+    <p:sldId id="266" r:id="rId7"/>
     <p:sldId id="265" r:id="rId8"/>
   </p:sldIdLst>
   <p:sldSz cx="12192000" cy="6858000"/>
@@ -4207,48 +4207,6 @@
             </a:r>
             <a:endParaRPr lang="en-US" dirty="0"/>
           </a:p>
-          <a:p>
-            <a:pPr marL="800100" lvl="1" indent="-342900" algn="l">
-              <a:buFont typeface="Arial" panose="020B0604020202020204" pitchFamily="34" charset="0"/>
-              <a:buChar char="•"/>
-            </a:pPr>
-            <a:endParaRPr lang="en-US" dirty="0">
-              <a:latin typeface="Avenir Book"/>
-            </a:endParaRPr>
-          </a:p>
-          <a:p>
-            <a:pPr marL="342900" indent="-342900" algn="l">
-              <a:buFont typeface="Arial" panose="020B0604020202020204" pitchFamily="34" charset="0"/>
-              <a:buChar char="•"/>
-            </a:pPr>
-            <a:r>
-              <a:rPr lang="en-US" dirty="0">
-                <a:latin typeface="Avenir Book"/>
-              </a:rPr>
-              <a:t>Work in teams</a:t>
-            </a:r>
-          </a:p>
-          <a:p>
-            <a:pPr marL="342900" indent="-342900" algn="l">
-              <a:buFont typeface="Arial" panose="020B0604020202020204" pitchFamily="34" charset="0"/>
-              <a:buChar char="•"/>
-            </a:pPr>
-            <a:endParaRPr lang="en-US" dirty="0">
-              <a:latin typeface="Avenir Book"/>
-            </a:endParaRPr>
-          </a:p>
-          <a:p>
-            <a:pPr marL="342900" indent="-342900" algn="l">
-              <a:buFont typeface="Arial" panose="020B0604020202020204" pitchFamily="34" charset="0"/>
-              <a:buChar char="•"/>
-            </a:pPr>
-            <a:r>
-              <a:rPr lang="en-US" dirty="0">
-                <a:latin typeface="Avenir Book"/>
-              </a:rPr>
-              <a:t>Let us know if you need any assistance</a:t>
-            </a:r>
-          </a:p>
         </p:txBody>
       </p:sp>
       <p:pic>
@@ -4427,7 +4385,7 @@
                 <a:ea typeface="Avenir Heavy" charset="0"/>
                 <a:cs typeface="Avenir Heavy" charset="0"/>
               </a:rPr>
-              <a:t>How is it going so far?</a:t>
+              <a:t>Extending Roll-a-ball</a:t>
             </a:r>
           </a:p>
         </p:txBody>
@@ -4632,62 +4590,9 @@
               <a:rPr lang="en-US" dirty="0">
                 <a:latin typeface="Avenir Book"/>
               </a:rPr>
-              <a:t>Any challenges that you would like to discuss?</a:t>
-            </a:r>
-          </a:p>
-          <a:p>
-            <a:pPr marL="342900" indent="-342900" algn="l">
-              <a:buFont typeface="Arial" panose="020B0604020202020204" pitchFamily="34" charset="0"/>
-              <a:buChar char="•"/>
-            </a:pPr>
-            <a:endParaRPr lang="en-US" dirty="0">
-              <a:latin typeface="Avenir Book"/>
-            </a:endParaRPr>
-          </a:p>
-          <a:p>
-            <a:pPr marL="342900" indent="-342900" algn="l">
-              <a:buFont typeface="Arial" panose="020B0604020202020204" pitchFamily="34" charset="0"/>
-              <a:buChar char="•"/>
-            </a:pPr>
-            <a:r>
-              <a:rPr lang="en-US" dirty="0">
-                <a:latin typeface="Avenir Book"/>
-              </a:rPr>
-              <a:t>Anything that the tutorial asked you to do, but that you would like to better understand?</a:t>
-            </a:r>
-          </a:p>
-          <a:p>
-            <a:pPr marL="342900" indent="-342900" algn="l">
-              <a:buFont typeface="Arial" panose="020B0604020202020204" pitchFamily="34" charset="0"/>
-              <a:buChar char="•"/>
-            </a:pPr>
-            <a:endParaRPr lang="en-US" dirty="0">
-              <a:latin typeface="Avenir Book"/>
-            </a:endParaRPr>
-          </a:p>
-          <a:p>
-            <a:pPr marL="342900" indent="-342900" algn="l">
-              <a:buFont typeface="Arial" panose="020B0604020202020204" pitchFamily="34" charset="0"/>
-              <a:buChar char="•"/>
-            </a:pPr>
-            <a:r>
-              <a:rPr lang="en-US" dirty="0">
-                <a:latin typeface="Avenir Book"/>
-              </a:rPr>
-              <a:t>If you finish the tutorial early</a:t>
-            </a:r>
-          </a:p>
-          <a:p>
-            <a:pPr marL="800100" lvl="1" indent="-342900" algn="l">
-              <a:buFont typeface="Arial" panose="020B0604020202020204" pitchFamily="34" charset="0"/>
-              <a:buChar char="•"/>
-            </a:pPr>
-            <a:r>
-              <a:rPr lang="en-US" dirty="0">
-                <a:latin typeface="Avenir Book"/>
-              </a:rPr>
-              <a:t>Think about how you can extend this game by adding new functionalities</a:t>
-            </a:r>
+              <a:t>Modify the roll-a-ball program to add new functionalities of your choice</a:t>
+            </a:r>
+            <a:endParaRPr lang="en-US" dirty="0"/>
           </a:p>
         </p:txBody>
       </p:sp>
@@ -4741,7 +4646,7 @@
     </p:spTree>
     <p:extLst>
       <p:ext uri="{BB962C8B-B14F-4D97-AF65-F5344CB8AC3E}">
-        <p14:creationId xmlns:p14="http://schemas.microsoft.com/office/powerpoint/2010/main" val="4035008705"/>
+        <p14:creationId xmlns:p14="http://schemas.microsoft.com/office/powerpoint/2010/main" val="424321104"/>
       </p:ext>
     </p:extLst>
   </p:cSld>
@@ -4867,6 +4772,492 @@
                 <a:ea typeface="Avenir Heavy" charset="0"/>
                 <a:cs typeface="Avenir Heavy" charset="0"/>
               </a:rPr>
+              <a:t>Suggestions of game extensions</a:t>
+            </a:r>
+          </a:p>
+        </p:txBody>
+      </p:sp>
+      <p:sp>
+        <p:nvSpPr>
+          <p:cNvPr id="7" name="Content Placeholder 2">
+            <a:extLst>
+              <a:ext uri="{FF2B5EF4-FFF2-40B4-BE49-F238E27FC236}">
+                <a16:creationId xmlns:a16="http://schemas.microsoft.com/office/drawing/2014/main" id="{897DC500-E58F-455C-AA63-7A22C1F09690}"/>
+              </a:ext>
+            </a:extLst>
+          </p:cNvPr>
+          <p:cNvSpPr txBox="1">
+            <a:spLocks/>
+          </p:cNvSpPr>
+          <p:nvPr/>
+        </p:nvSpPr>
+        <p:spPr>
+          <a:xfrm>
+            <a:off x="838200" y="1611306"/>
+            <a:ext cx="7138988" cy="4351338"/>
+          </a:xfrm>
+          <a:prstGeom prst="rect">
+            <a:avLst/>
+          </a:prstGeom>
+        </p:spPr>
+        <p:txBody>
+          <a:bodyPr vert="horz" lIns="91440" tIns="45720" rIns="91440" bIns="45720" rtlCol="0">
+            <a:normAutofit fontScale="92500" lnSpcReduction="20000"/>
+          </a:bodyPr>
+          <a:lstStyle>
+            <a:lvl1pPr marL="0" indent="0" algn="ctr" defTabSz="914400" rtl="0" eaLnBrk="1" latinLnBrk="0" hangingPunct="1">
+              <a:lnSpc>
+                <a:spcPct val="90000"/>
+              </a:lnSpc>
+              <a:spcBef>
+                <a:spcPts val="1000"/>
+              </a:spcBef>
+              <a:buFont typeface="Arial"/>
+              <a:buNone/>
+              <a:defRPr sz="2400" kern="1200">
+                <a:solidFill>
+                  <a:schemeClr val="tx1"/>
+                </a:solidFill>
+                <a:latin typeface="+mn-lt"/>
+                <a:ea typeface="+mn-ea"/>
+                <a:cs typeface="+mn-cs"/>
+              </a:defRPr>
+            </a:lvl1pPr>
+            <a:lvl2pPr marL="457200" indent="0" algn="ctr" defTabSz="914400" rtl="0" eaLnBrk="1" latinLnBrk="0" hangingPunct="1">
+              <a:lnSpc>
+                <a:spcPct val="90000"/>
+              </a:lnSpc>
+              <a:spcBef>
+                <a:spcPts val="500"/>
+              </a:spcBef>
+              <a:buFont typeface="Arial"/>
+              <a:buNone/>
+              <a:defRPr sz="2000" kern="1200">
+                <a:solidFill>
+                  <a:schemeClr val="tx1"/>
+                </a:solidFill>
+                <a:latin typeface="+mn-lt"/>
+                <a:ea typeface="+mn-ea"/>
+                <a:cs typeface="+mn-cs"/>
+              </a:defRPr>
+            </a:lvl2pPr>
+            <a:lvl3pPr marL="914400" indent="0" algn="ctr" defTabSz="914400" rtl="0" eaLnBrk="1" latinLnBrk="0" hangingPunct="1">
+              <a:lnSpc>
+                <a:spcPct val="90000"/>
+              </a:lnSpc>
+              <a:spcBef>
+                <a:spcPts val="500"/>
+              </a:spcBef>
+              <a:buFont typeface="Arial"/>
+              <a:buNone/>
+              <a:defRPr sz="1800" kern="1200">
+                <a:solidFill>
+                  <a:schemeClr val="tx1"/>
+                </a:solidFill>
+                <a:latin typeface="+mn-lt"/>
+                <a:ea typeface="+mn-ea"/>
+                <a:cs typeface="+mn-cs"/>
+              </a:defRPr>
+            </a:lvl3pPr>
+            <a:lvl4pPr marL="1371600" indent="0" algn="ctr" defTabSz="914400" rtl="0" eaLnBrk="1" latinLnBrk="0" hangingPunct="1">
+              <a:lnSpc>
+                <a:spcPct val="90000"/>
+              </a:lnSpc>
+              <a:spcBef>
+                <a:spcPts val="500"/>
+              </a:spcBef>
+              <a:buFont typeface="Arial"/>
+              <a:buNone/>
+              <a:defRPr sz="1600" kern="1200">
+                <a:solidFill>
+                  <a:schemeClr val="tx1"/>
+                </a:solidFill>
+                <a:latin typeface="+mn-lt"/>
+                <a:ea typeface="+mn-ea"/>
+                <a:cs typeface="+mn-cs"/>
+              </a:defRPr>
+            </a:lvl4pPr>
+            <a:lvl5pPr marL="1828800" indent="0" algn="ctr" defTabSz="914400" rtl="0" eaLnBrk="1" latinLnBrk="0" hangingPunct="1">
+              <a:lnSpc>
+                <a:spcPct val="90000"/>
+              </a:lnSpc>
+              <a:spcBef>
+                <a:spcPts val="500"/>
+              </a:spcBef>
+              <a:buFont typeface="Arial"/>
+              <a:buNone/>
+              <a:defRPr sz="1600" kern="1200">
+                <a:solidFill>
+                  <a:schemeClr val="tx1"/>
+                </a:solidFill>
+                <a:latin typeface="+mn-lt"/>
+                <a:ea typeface="+mn-ea"/>
+                <a:cs typeface="+mn-cs"/>
+              </a:defRPr>
+            </a:lvl5pPr>
+            <a:lvl6pPr marL="2286000" indent="0" algn="ctr" defTabSz="914400" rtl="0" eaLnBrk="1" latinLnBrk="0" hangingPunct="1">
+              <a:lnSpc>
+                <a:spcPct val="90000"/>
+              </a:lnSpc>
+              <a:spcBef>
+                <a:spcPts val="500"/>
+              </a:spcBef>
+              <a:buFont typeface="Arial"/>
+              <a:buNone/>
+              <a:defRPr sz="1600" kern="1200">
+                <a:solidFill>
+                  <a:schemeClr val="tx1"/>
+                </a:solidFill>
+                <a:latin typeface="+mn-lt"/>
+                <a:ea typeface="+mn-ea"/>
+                <a:cs typeface="+mn-cs"/>
+              </a:defRPr>
+            </a:lvl6pPr>
+            <a:lvl7pPr marL="2743200" indent="0" algn="ctr" defTabSz="914400" rtl="0" eaLnBrk="1" latinLnBrk="0" hangingPunct="1">
+              <a:lnSpc>
+                <a:spcPct val="90000"/>
+              </a:lnSpc>
+              <a:spcBef>
+                <a:spcPts val="500"/>
+              </a:spcBef>
+              <a:buFont typeface="Arial"/>
+              <a:buNone/>
+              <a:defRPr sz="1600" kern="1200">
+                <a:solidFill>
+                  <a:schemeClr val="tx1"/>
+                </a:solidFill>
+                <a:latin typeface="+mn-lt"/>
+                <a:ea typeface="+mn-ea"/>
+                <a:cs typeface="+mn-cs"/>
+              </a:defRPr>
+            </a:lvl7pPr>
+            <a:lvl8pPr marL="3200400" indent="0" algn="ctr" defTabSz="914400" rtl="0" eaLnBrk="1" latinLnBrk="0" hangingPunct="1">
+              <a:lnSpc>
+                <a:spcPct val="90000"/>
+              </a:lnSpc>
+              <a:spcBef>
+                <a:spcPts val="500"/>
+              </a:spcBef>
+              <a:buFont typeface="Arial"/>
+              <a:buNone/>
+              <a:defRPr sz="1600" kern="1200">
+                <a:solidFill>
+                  <a:schemeClr val="tx1"/>
+                </a:solidFill>
+                <a:latin typeface="+mn-lt"/>
+                <a:ea typeface="+mn-ea"/>
+                <a:cs typeface="+mn-cs"/>
+              </a:defRPr>
+            </a:lvl8pPr>
+            <a:lvl9pPr marL="3657600" indent="0" algn="ctr" defTabSz="914400" rtl="0" eaLnBrk="1" latinLnBrk="0" hangingPunct="1">
+              <a:lnSpc>
+                <a:spcPct val="90000"/>
+              </a:lnSpc>
+              <a:spcBef>
+                <a:spcPts val="500"/>
+              </a:spcBef>
+              <a:buFont typeface="Arial"/>
+              <a:buNone/>
+              <a:defRPr sz="1600" kern="1200">
+                <a:solidFill>
+                  <a:schemeClr val="tx1"/>
+                </a:solidFill>
+                <a:latin typeface="+mn-lt"/>
+                <a:ea typeface="+mn-ea"/>
+                <a:cs typeface="+mn-cs"/>
+              </a:defRPr>
+            </a:lvl9pPr>
+          </a:lstStyle>
+          <a:p>
+            <a:pPr marL="342900" indent="-342900" algn="l">
+              <a:buFont typeface="Arial" panose="020B0604020202020204" pitchFamily="34" charset="0"/>
+              <a:buChar char="•"/>
+            </a:pPr>
+            <a:r>
+              <a:rPr lang="en-US" dirty="0">
+                <a:latin typeface="Avenir Book"/>
+              </a:rPr>
+              <a:t>Add new types of pickup objects</a:t>
+            </a:r>
+          </a:p>
+          <a:p>
+            <a:pPr marL="800100" lvl="1" indent="-342900" algn="l">
+              <a:buFont typeface="Arial" panose="020B0604020202020204" pitchFamily="34" charset="0"/>
+              <a:buChar char="•"/>
+            </a:pPr>
+            <a:r>
+              <a:rPr lang="en-US" dirty="0">
+                <a:latin typeface="Avenir Book"/>
+              </a:rPr>
+              <a:t>Add pickups that affect the ball’s speed</a:t>
+            </a:r>
+          </a:p>
+          <a:p>
+            <a:pPr marL="342900" indent="-342900" algn="l">
+              <a:buFont typeface="Arial" panose="020B0604020202020204" pitchFamily="34" charset="0"/>
+              <a:buChar char="•"/>
+            </a:pPr>
+            <a:endParaRPr lang="en-US" dirty="0">
+              <a:latin typeface="Avenir Book"/>
+            </a:endParaRPr>
+          </a:p>
+          <a:p>
+            <a:pPr marL="342900" indent="-342900" algn="l">
+              <a:buFont typeface="Arial" panose="020B0604020202020204" pitchFamily="34" charset="0"/>
+              <a:buChar char="•"/>
+            </a:pPr>
+            <a:r>
+              <a:rPr lang="en-US" dirty="0">
+                <a:latin typeface="Avenir Book"/>
+              </a:rPr>
+              <a:t>Add multiple levels</a:t>
+            </a:r>
+          </a:p>
+          <a:p>
+            <a:pPr marL="800100" lvl="1" indent="-342900" algn="l">
+              <a:buFont typeface="Arial" panose="020B0604020202020204" pitchFamily="34" charset="0"/>
+              <a:buChar char="•"/>
+            </a:pPr>
+            <a:r>
+              <a:rPr lang="en-US" dirty="0">
+                <a:latin typeface="Avenir Book"/>
+              </a:rPr>
+              <a:t>Hint: changing levels will require you to use the Scene Manager</a:t>
+            </a:r>
+          </a:p>
+          <a:p>
+            <a:pPr marL="1257300" lvl="2" indent="-342900" algn="l">
+              <a:buFont typeface="Arial" panose="020B0604020202020204" pitchFamily="34" charset="0"/>
+              <a:buChar char="•"/>
+            </a:pPr>
+            <a:r>
+              <a:rPr lang="en-US" dirty="0" err="1">
+                <a:latin typeface="Avenir Book"/>
+              </a:rPr>
+              <a:t>SceneManager.LoadScene</a:t>
+            </a:r>
+            <a:r>
+              <a:rPr lang="en-US" dirty="0">
+                <a:latin typeface="Avenir Book"/>
+              </a:rPr>
+              <a:t>()</a:t>
+            </a:r>
+          </a:p>
+          <a:p>
+            <a:pPr marL="800100" lvl="1" indent="-342900" algn="l">
+              <a:buFont typeface="Arial" panose="020B0604020202020204" pitchFamily="34" charset="0"/>
+              <a:buChar char="•"/>
+            </a:pPr>
+            <a:r>
+              <a:rPr lang="en-US" dirty="0">
+                <a:latin typeface="Avenir Book"/>
+              </a:rPr>
+              <a:t>To access the Scene Manager you will need to use the </a:t>
+            </a:r>
+            <a:r>
+              <a:rPr lang="en-US" i="1" dirty="0" err="1">
+                <a:latin typeface="Avenir Book"/>
+              </a:rPr>
+              <a:t>UnityEngine.SceneManagement</a:t>
+            </a:r>
+            <a:r>
+              <a:rPr lang="en-US" i="1" dirty="0">
+                <a:latin typeface="Avenir Book"/>
+              </a:rPr>
+              <a:t> </a:t>
+            </a:r>
+            <a:r>
+              <a:rPr lang="en-US" dirty="0">
+                <a:latin typeface="Avenir Book"/>
+              </a:rPr>
+              <a:t>namespace</a:t>
+            </a:r>
+          </a:p>
+          <a:p>
+            <a:pPr marL="800100" lvl="1" indent="-342900" algn="l">
+              <a:buFont typeface="Arial" panose="020B0604020202020204" pitchFamily="34" charset="0"/>
+              <a:buChar char="•"/>
+            </a:pPr>
+            <a:r>
+              <a:rPr lang="en-US" dirty="0">
+                <a:latin typeface="Avenir Book"/>
+              </a:rPr>
+              <a:t>You will also need to make sure all the scenes are added to the build settings</a:t>
+            </a:r>
+          </a:p>
+          <a:p>
+            <a:pPr marL="342900" indent="-342900" algn="l">
+              <a:buFont typeface="Arial" panose="020B0604020202020204" pitchFamily="34" charset="0"/>
+              <a:buChar char="•"/>
+            </a:pPr>
+            <a:endParaRPr lang="en-US" dirty="0">
+              <a:latin typeface="Avenir Book"/>
+            </a:endParaRPr>
+          </a:p>
+          <a:p>
+            <a:pPr marL="342900" indent="-342900" algn="l">
+              <a:buFont typeface="Arial" panose="020B0604020202020204" pitchFamily="34" charset="0"/>
+              <a:buChar char="•"/>
+            </a:pPr>
+            <a:r>
+              <a:rPr lang="en-US" dirty="0">
+                <a:latin typeface="Avenir Book"/>
+              </a:rPr>
+              <a:t>Keep track of the time required to beat the level</a:t>
+            </a:r>
+          </a:p>
+          <a:p>
+            <a:pPr marL="342900" indent="-342900" algn="l">
+              <a:buFont typeface="Arial" panose="020B0604020202020204" pitchFamily="34" charset="0"/>
+              <a:buChar char="•"/>
+            </a:pPr>
+            <a:endParaRPr lang="en-US" dirty="0">
+              <a:latin typeface="Avenir Book"/>
+            </a:endParaRPr>
+          </a:p>
+          <a:p>
+            <a:pPr marL="342900" indent="-342900" algn="l">
+              <a:buFont typeface="Arial" panose="020B0604020202020204" pitchFamily="34" charset="0"/>
+              <a:buChar char="•"/>
+            </a:pPr>
+            <a:r>
+              <a:rPr lang="en-US" dirty="0">
+                <a:latin typeface="Avenir Book"/>
+              </a:rPr>
+              <a:t>Add an AI opponent who chases the player</a:t>
+            </a:r>
+          </a:p>
+        </p:txBody>
+      </p:sp>
+    </p:spTree>
+    <p:extLst>
+      <p:ext uri="{BB962C8B-B14F-4D97-AF65-F5344CB8AC3E}">
+        <p14:creationId xmlns:p14="http://schemas.microsoft.com/office/powerpoint/2010/main" val="1828920645"/>
+      </p:ext>
+    </p:extLst>
+  </p:cSld>
+  <p:clrMapOvr>
+    <a:masterClrMapping/>
+  </p:clrMapOvr>
+</p:sld>
+</file>
+
+<file path=ppt/slides/slide6.xml><?xml version="1.0" encoding="utf-8"?>
+<p:sld xmlns:a="http://schemas.openxmlformats.org/drawingml/2006/main" xmlns:r="http://schemas.openxmlformats.org/officeDocument/2006/relationships" xmlns:p="http://schemas.openxmlformats.org/presentationml/2006/main">
+  <p:cSld>
+    <p:spTree>
+      <p:nvGrpSpPr>
+        <p:cNvPr id="1" name=""/>
+        <p:cNvGrpSpPr/>
+        <p:nvPr/>
+      </p:nvGrpSpPr>
+      <p:grpSpPr>
+        <a:xfrm>
+          <a:off x="0" y="0"/>
+          <a:ext cx="0" cy="0"/>
+          <a:chOff x="0" y="0"/>
+          <a:chExt cx="0" cy="0"/>
+        </a:xfrm>
+      </p:grpSpPr>
+      <p:sp>
+        <p:nvSpPr>
+          <p:cNvPr id="2" name="Title 1"/>
+          <p:cNvSpPr>
+            <a:spLocks noGrp="1"/>
+          </p:cNvSpPr>
+          <p:nvPr>
+            <p:ph type="ctrTitle"/>
+          </p:nvPr>
+        </p:nvSpPr>
+        <p:spPr/>
+        <p:txBody>
+          <a:bodyPr/>
+          <a:lstStyle/>
+          <a:p>
+            <a:endParaRPr lang="en-US"/>
+          </a:p>
+        </p:txBody>
+      </p:sp>
+      <p:sp>
+        <p:nvSpPr>
+          <p:cNvPr id="3" name="Subtitle 2"/>
+          <p:cNvSpPr>
+            <a:spLocks noGrp="1"/>
+          </p:cNvSpPr>
+          <p:nvPr>
+            <p:ph type="subTitle" idx="1"/>
+          </p:nvPr>
+        </p:nvSpPr>
+        <p:spPr/>
+        <p:txBody>
+          <a:bodyPr/>
+          <a:lstStyle/>
+          <a:p>
+            <a:endParaRPr lang="en-US"/>
+          </a:p>
+        </p:txBody>
+      </p:sp>
+      <p:pic>
+        <p:nvPicPr>
+          <p:cNvPr id="4" name="Picture 3"/>
+          <p:cNvPicPr>
+            <a:picLocks noChangeAspect="1"/>
+          </p:cNvPicPr>
+          <p:nvPr/>
+        </p:nvPicPr>
+        <p:blipFill>
+          <a:blip r:embed="rId2">
+            <a:extLst>
+              <a:ext uri="{28A0092B-C50C-407E-A947-70E740481C1C}">
+                <a14:useLocalDpi xmlns:a14="http://schemas.microsoft.com/office/drawing/2010/main" val="0"/>
+              </a:ext>
+            </a:extLst>
+          </a:blip>
+          <a:stretch>
+            <a:fillRect/>
+          </a:stretch>
+        </p:blipFill>
+        <p:spPr>
+          <a:xfrm>
+            <a:off x="0" y="0"/>
+            <a:ext cx="12217252" cy="6872204"/>
+          </a:xfrm>
+          <a:prstGeom prst="rect">
+            <a:avLst/>
+          </a:prstGeom>
+        </p:spPr>
+      </p:pic>
+      <p:sp>
+        <p:nvSpPr>
+          <p:cNvPr id="6" name="TextBox 5"/>
+          <p:cNvSpPr txBox="1"/>
+          <p:nvPr/>
+        </p:nvSpPr>
+        <p:spPr>
+          <a:xfrm>
+            <a:off x="744109" y="508487"/>
+            <a:ext cx="9032682" cy="707886"/>
+          </a:xfrm>
+          <a:prstGeom prst="rect">
+            <a:avLst/>
+          </a:prstGeom>
+          <a:noFill/>
+        </p:spPr>
+        <p:txBody>
+          <a:bodyPr wrap="square" rtlCol="0">
+            <a:spAutoFit/>
+          </a:bodyPr>
+          <a:lstStyle/>
+          <a:p>
+            <a:r>
+              <a:rPr lang="en-US" sz="4000" b="1" dirty="0">
+                <a:solidFill>
+                  <a:schemeClr val="bg1"/>
+                </a:solidFill>
+                <a:latin typeface="Avenir Heavy" charset="0"/>
+                <a:ea typeface="Avenir Heavy" charset="0"/>
+                <a:cs typeface="Avenir Heavy" charset="0"/>
+              </a:rPr>
               <a:t>Unity asset store</a:t>
             </a:r>
           </a:p>
@@ -5194,480 +5585,6 @@
     <p:extLst>
       <p:ext uri="{BB962C8B-B14F-4D97-AF65-F5344CB8AC3E}">
         <p14:creationId xmlns:p14="http://schemas.microsoft.com/office/powerpoint/2010/main" val="3753144721"/>
-      </p:ext>
-    </p:extLst>
-  </p:cSld>
-  <p:clrMapOvr>
-    <a:masterClrMapping/>
-  </p:clrMapOvr>
-</p:sld>
-</file>
-
-<file path=ppt/slides/slide6.xml><?xml version="1.0" encoding="utf-8"?>
-<p:sld xmlns:a="http://schemas.openxmlformats.org/drawingml/2006/main" xmlns:r="http://schemas.openxmlformats.org/officeDocument/2006/relationships" xmlns:p="http://schemas.openxmlformats.org/presentationml/2006/main">
-  <p:cSld>
-    <p:spTree>
-      <p:nvGrpSpPr>
-        <p:cNvPr id="1" name=""/>
-        <p:cNvGrpSpPr/>
-        <p:nvPr/>
-      </p:nvGrpSpPr>
-      <p:grpSpPr>
-        <a:xfrm>
-          <a:off x="0" y="0"/>
-          <a:ext cx="0" cy="0"/>
-          <a:chOff x="0" y="0"/>
-          <a:chExt cx="0" cy="0"/>
-        </a:xfrm>
-      </p:grpSpPr>
-      <p:sp>
-        <p:nvSpPr>
-          <p:cNvPr id="2" name="Title 1"/>
-          <p:cNvSpPr>
-            <a:spLocks noGrp="1"/>
-          </p:cNvSpPr>
-          <p:nvPr>
-            <p:ph type="ctrTitle"/>
-          </p:nvPr>
-        </p:nvSpPr>
-        <p:spPr/>
-        <p:txBody>
-          <a:bodyPr/>
-          <a:lstStyle/>
-          <a:p>
-            <a:endParaRPr lang="en-US"/>
-          </a:p>
-        </p:txBody>
-      </p:sp>
-      <p:sp>
-        <p:nvSpPr>
-          <p:cNvPr id="3" name="Subtitle 2"/>
-          <p:cNvSpPr>
-            <a:spLocks noGrp="1"/>
-          </p:cNvSpPr>
-          <p:nvPr>
-            <p:ph type="subTitle" idx="1"/>
-          </p:nvPr>
-        </p:nvSpPr>
-        <p:spPr/>
-        <p:txBody>
-          <a:bodyPr/>
-          <a:lstStyle/>
-          <a:p>
-            <a:endParaRPr lang="en-US"/>
-          </a:p>
-        </p:txBody>
-      </p:sp>
-      <p:pic>
-        <p:nvPicPr>
-          <p:cNvPr id="4" name="Picture 3"/>
-          <p:cNvPicPr>
-            <a:picLocks noChangeAspect="1"/>
-          </p:cNvPicPr>
-          <p:nvPr/>
-        </p:nvPicPr>
-        <p:blipFill>
-          <a:blip r:embed="rId2">
-            <a:extLst>
-              <a:ext uri="{28A0092B-C50C-407E-A947-70E740481C1C}">
-                <a14:useLocalDpi xmlns:a14="http://schemas.microsoft.com/office/drawing/2010/main" val="0"/>
-              </a:ext>
-            </a:extLst>
-          </a:blip>
-          <a:stretch>
-            <a:fillRect/>
-          </a:stretch>
-        </p:blipFill>
-        <p:spPr>
-          <a:xfrm>
-            <a:off x="0" y="0"/>
-            <a:ext cx="12217252" cy="6872204"/>
-          </a:xfrm>
-          <a:prstGeom prst="rect">
-            <a:avLst/>
-          </a:prstGeom>
-        </p:spPr>
-      </p:pic>
-      <p:sp>
-        <p:nvSpPr>
-          <p:cNvPr id="6" name="TextBox 5"/>
-          <p:cNvSpPr txBox="1"/>
-          <p:nvPr/>
-        </p:nvSpPr>
-        <p:spPr>
-          <a:xfrm>
-            <a:off x="744109" y="508487"/>
-            <a:ext cx="9032682" cy="707886"/>
-          </a:xfrm>
-          <a:prstGeom prst="rect">
-            <a:avLst/>
-          </a:prstGeom>
-          <a:noFill/>
-        </p:spPr>
-        <p:txBody>
-          <a:bodyPr wrap="square" rtlCol="0">
-            <a:spAutoFit/>
-          </a:bodyPr>
-          <a:lstStyle/>
-          <a:p>
-            <a:r>
-              <a:rPr lang="en-US" sz="4000" b="1" dirty="0">
-                <a:solidFill>
-                  <a:schemeClr val="bg1"/>
-                </a:solidFill>
-                <a:latin typeface="Avenir Heavy" charset="0"/>
-                <a:ea typeface="Avenir Heavy" charset="0"/>
-                <a:cs typeface="Avenir Heavy" charset="0"/>
-              </a:rPr>
-              <a:t>Suggestions of game extensions</a:t>
-            </a:r>
-          </a:p>
-        </p:txBody>
-      </p:sp>
-      <p:sp>
-        <p:nvSpPr>
-          <p:cNvPr id="7" name="Content Placeholder 2">
-            <a:extLst>
-              <a:ext uri="{FF2B5EF4-FFF2-40B4-BE49-F238E27FC236}">
-                <a16:creationId xmlns:a16="http://schemas.microsoft.com/office/drawing/2014/main" id="{897DC500-E58F-455C-AA63-7A22C1F09690}"/>
-              </a:ext>
-            </a:extLst>
-          </p:cNvPr>
-          <p:cNvSpPr txBox="1">
-            <a:spLocks/>
-          </p:cNvSpPr>
-          <p:nvPr/>
-        </p:nvSpPr>
-        <p:spPr>
-          <a:xfrm>
-            <a:off x="838200" y="1611306"/>
-            <a:ext cx="7138988" cy="4351338"/>
-          </a:xfrm>
-          <a:prstGeom prst="rect">
-            <a:avLst/>
-          </a:prstGeom>
-        </p:spPr>
-        <p:txBody>
-          <a:bodyPr vert="horz" lIns="91440" tIns="45720" rIns="91440" bIns="45720" rtlCol="0">
-            <a:normAutofit fontScale="92500" lnSpcReduction="10000"/>
-          </a:bodyPr>
-          <a:lstStyle>
-            <a:lvl1pPr marL="0" indent="0" algn="ctr" defTabSz="914400" rtl="0" eaLnBrk="1" latinLnBrk="0" hangingPunct="1">
-              <a:lnSpc>
-                <a:spcPct val="90000"/>
-              </a:lnSpc>
-              <a:spcBef>
-                <a:spcPts val="1000"/>
-              </a:spcBef>
-              <a:buFont typeface="Arial"/>
-              <a:buNone/>
-              <a:defRPr sz="2400" kern="1200">
-                <a:solidFill>
-                  <a:schemeClr val="tx1"/>
-                </a:solidFill>
-                <a:latin typeface="+mn-lt"/>
-                <a:ea typeface="+mn-ea"/>
-                <a:cs typeface="+mn-cs"/>
-              </a:defRPr>
-            </a:lvl1pPr>
-            <a:lvl2pPr marL="457200" indent="0" algn="ctr" defTabSz="914400" rtl="0" eaLnBrk="1" latinLnBrk="0" hangingPunct="1">
-              <a:lnSpc>
-                <a:spcPct val="90000"/>
-              </a:lnSpc>
-              <a:spcBef>
-                <a:spcPts val="500"/>
-              </a:spcBef>
-              <a:buFont typeface="Arial"/>
-              <a:buNone/>
-              <a:defRPr sz="2000" kern="1200">
-                <a:solidFill>
-                  <a:schemeClr val="tx1"/>
-                </a:solidFill>
-                <a:latin typeface="+mn-lt"/>
-                <a:ea typeface="+mn-ea"/>
-                <a:cs typeface="+mn-cs"/>
-              </a:defRPr>
-            </a:lvl2pPr>
-            <a:lvl3pPr marL="914400" indent="0" algn="ctr" defTabSz="914400" rtl="0" eaLnBrk="1" latinLnBrk="0" hangingPunct="1">
-              <a:lnSpc>
-                <a:spcPct val="90000"/>
-              </a:lnSpc>
-              <a:spcBef>
-                <a:spcPts val="500"/>
-              </a:spcBef>
-              <a:buFont typeface="Arial"/>
-              <a:buNone/>
-              <a:defRPr sz="1800" kern="1200">
-                <a:solidFill>
-                  <a:schemeClr val="tx1"/>
-                </a:solidFill>
-                <a:latin typeface="+mn-lt"/>
-                <a:ea typeface="+mn-ea"/>
-                <a:cs typeface="+mn-cs"/>
-              </a:defRPr>
-            </a:lvl3pPr>
-            <a:lvl4pPr marL="1371600" indent="0" algn="ctr" defTabSz="914400" rtl="0" eaLnBrk="1" latinLnBrk="0" hangingPunct="1">
-              <a:lnSpc>
-                <a:spcPct val="90000"/>
-              </a:lnSpc>
-              <a:spcBef>
-                <a:spcPts val="500"/>
-              </a:spcBef>
-              <a:buFont typeface="Arial"/>
-              <a:buNone/>
-              <a:defRPr sz="1600" kern="1200">
-                <a:solidFill>
-                  <a:schemeClr val="tx1"/>
-                </a:solidFill>
-                <a:latin typeface="+mn-lt"/>
-                <a:ea typeface="+mn-ea"/>
-                <a:cs typeface="+mn-cs"/>
-              </a:defRPr>
-            </a:lvl4pPr>
-            <a:lvl5pPr marL="1828800" indent="0" algn="ctr" defTabSz="914400" rtl="0" eaLnBrk="1" latinLnBrk="0" hangingPunct="1">
-              <a:lnSpc>
-                <a:spcPct val="90000"/>
-              </a:lnSpc>
-              <a:spcBef>
-                <a:spcPts val="500"/>
-              </a:spcBef>
-              <a:buFont typeface="Arial"/>
-              <a:buNone/>
-              <a:defRPr sz="1600" kern="1200">
-                <a:solidFill>
-                  <a:schemeClr val="tx1"/>
-                </a:solidFill>
-                <a:latin typeface="+mn-lt"/>
-                <a:ea typeface="+mn-ea"/>
-                <a:cs typeface="+mn-cs"/>
-              </a:defRPr>
-            </a:lvl5pPr>
-            <a:lvl6pPr marL="2286000" indent="0" algn="ctr" defTabSz="914400" rtl="0" eaLnBrk="1" latinLnBrk="0" hangingPunct="1">
-              <a:lnSpc>
-                <a:spcPct val="90000"/>
-              </a:lnSpc>
-              <a:spcBef>
-                <a:spcPts val="500"/>
-              </a:spcBef>
-              <a:buFont typeface="Arial"/>
-              <a:buNone/>
-              <a:defRPr sz="1600" kern="1200">
-                <a:solidFill>
-                  <a:schemeClr val="tx1"/>
-                </a:solidFill>
-                <a:latin typeface="+mn-lt"/>
-                <a:ea typeface="+mn-ea"/>
-                <a:cs typeface="+mn-cs"/>
-              </a:defRPr>
-            </a:lvl6pPr>
-            <a:lvl7pPr marL="2743200" indent="0" algn="ctr" defTabSz="914400" rtl="0" eaLnBrk="1" latinLnBrk="0" hangingPunct="1">
-              <a:lnSpc>
-                <a:spcPct val="90000"/>
-              </a:lnSpc>
-              <a:spcBef>
-                <a:spcPts val="500"/>
-              </a:spcBef>
-              <a:buFont typeface="Arial"/>
-              <a:buNone/>
-              <a:defRPr sz="1600" kern="1200">
-                <a:solidFill>
-                  <a:schemeClr val="tx1"/>
-                </a:solidFill>
-                <a:latin typeface="+mn-lt"/>
-                <a:ea typeface="+mn-ea"/>
-                <a:cs typeface="+mn-cs"/>
-              </a:defRPr>
-            </a:lvl7pPr>
-            <a:lvl8pPr marL="3200400" indent="0" algn="ctr" defTabSz="914400" rtl="0" eaLnBrk="1" latinLnBrk="0" hangingPunct="1">
-              <a:lnSpc>
-                <a:spcPct val="90000"/>
-              </a:lnSpc>
-              <a:spcBef>
-                <a:spcPts val="500"/>
-              </a:spcBef>
-              <a:buFont typeface="Arial"/>
-              <a:buNone/>
-              <a:defRPr sz="1600" kern="1200">
-                <a:solidFill>
-                  <a:schemeClr val="tx1"/>
-                </a:solidFill>
-                <a:latin typeface="+mn-lt"/>
-                <a:ea typeface="+mn-ea"/>
-                <a:cs typeface="+mn-cs"/>
-              </a:defRPr>
-            </a:lvl8pPr>
-            <a:lvl9pPr marL="3657600" indent="0" algn="ctr" defTabSz="914400" rtl="0" eaLnBrk="1" latinLnBrk="0" hangingPunct="1">
-              <a:lnSpc>
-                <a:spcPct val="90000"/>
-              </a:lnSpc>
-              <a:spcBef>
-                <a:spcPts val="500"/>
-              </a:spcBef>
-              <a:buFont typeface="Arial"/>
-              <a:buNone/>
-              <a:defRPr sz="1600" kern="1200">
-                <a:solidFill>
-                  <a:schemeClr val="tx1"/>
-                </a:solidFill>
-                <a:latin typeface="+mn-lt"/>
-                <a:ea typeface="+mn-ea"/>
-                <a:cs typeface="+mn-cs"/>
-              </a:defRPr>
-            </a:lvl9pPr>
-          </a:lstStyle>
-          <a:p>
-            <a:pPr marL="342900" indent="-342900" algn="l">
-              <a:buFont typeface="Arial" panose="020B0604020202020204" pitchFamily="34" charset="0"/>
-              <a:buChar char="•"/>
-            </a:pPr>
-            <a:r>
-              <a:rPr lang="en-US" dirty="0">
-                <a:latin typeface="Avenir Book"/>
-              </a:rPr>
-              <a:t>Add new types of pickup objects</a:t>
-            </a:r>
-          </a:p>
-          <a:p>
-            <a:pPr marL="342900" indent="-342900" algn="l">
-              <a:buFont typeface="Arial" panose="020B0604020202020204" pitchFamily="34" charset="0"/>
-              <a:buChar char="•"/>
-            </a:pPr>
-            <a:endParaRPr lang="en-US" dirty="0">
-              <a:latin typeface="Avenir Book"/>
-            </a:endParaRPr>
-          </a:p>
-          <a:p>
-            <a:pPr marL="342900" indent="-342900" algn="l">
-              <a:buFont typeface="Arial" panose="020B0604020202020204" pitchFamily="34" charset="0"/>
-              <a:buChar char="•"/>
-            </a:pPr>
-            <a:r>
-              <a:rPr lang="en-US" dirty="0">
-                <a:latin typeface="Avenir Book"/>
-              </a:rPr>
-              <a:t>Add multiple levels</a:t>
-            </a:r>
-          </a:p>
-          <a:p>
-            <a:pPr marL="800100" lvl="1" indent="-342900" algn="l">
-              <a:buFont typeface="Arial" panose="020B0604020202020204" pitchFamily="34" charset="0"/>
-              <a:buChar char="•"/>
-            </a:pPr>
-            <a:r>
-              <a:rPr lang="en-US" dirty="0">
-                <a:latin typeface="Avenir Book"/>
-              </a:rPr>
-              <a:t>Hint: changing levels will require you to use the Scene Manager</a:t>
-            </a:r>
-          </a:p>
-          <a:p>
-            <a:pPr marL="1257300" lvl="2" indent="-342900" algn="l">
-              <a:buFont typeface="Arial" panose="020B0604020202020204" pitchFamily="34" charset="0"/>
-              <a:buChar char="•"/>
-            </a:pPr>
-            <a:r>
-              <a:rPr lang="en-US" dirty="0" err="1">
-                <a:latin typeface="Avenir Book"/>
-              </a:rPr>
-              <a:t>SceneManager.LoadScene</a:t>
-            </a:r>
-            <a:r>
-              <a:rPr lang="en-US" dirty="0">
-                <a:latin typeface="Avenir Book"/>
-              </a:rPr>
-              <a:t>()</a:t>
-            </a:r>
-          </a:p>
-          <a:p>
-            <a:pPr marL="800100" lvl="1" indent="-342900" algn="l">
-              <a:buFont typeface="Arial" panose="020B0604020202020204" pitchFamily="34" charset="0"/>
-              <a:buChar char="•"/>
-            </a:pPr>
-            <a:r>
-              <a:rPr lang="en-US" dirty="0">
-                <a:latin typeface="Avenir Book"/>
-              </a:rPr>
-              <a:t>To access the Scene Manager you will need to use the </a:t>
-            </a:r>
-            <a:r>
-              <a:rPr lang="en-US" i="1" dirty="0" err="1">
-                <a:latin typeface="Avenir Book"/>
-              </a:rPr>
-              <a:t>UnityEngine.SceneManagement</a:t>
-            </a:r>
-            <a:r>
-              <a:rPr lang="en-US" i="1" dirty="0">
-                <a:latin typeface="Avenir Book"/>
-              </a:rPr>
-              <a:t> </a:t>
-            </a:r>
-            <a:r>
-              <a:rPr lang="en-US" dirty="0">
-                <a:latin typeface="Avenir Book"/>
-              </a:rPr>
-              <a:t>namespace</a:t>
-            </a:r>
-          </a:p>
-          <a:p>
-            <a:pPr marL="800100" lvl="1" indent="-342900" algn="l">
-              <a:buFont typeface="Arial" panose="020B0604020202020204" pitchFamily="34" charset="0"/>
-              <a:buChar char="•"/>
-            </a:pPr>
-            <a:r>
-              <a:rPr lang="en-US" dirty="0">
-                <a:latin typeface="Avenir Book"/>
-              </a:rPr>
-              <a:t>You will also need to make sure all the scenes are added to the build settings</a:t>
-            </a:r>
-          </a:p>
-          <a:p>
-            <a:pPr marL="800100" lvl="1" indent="-342900" algn="l">
-              <a:buFont typeface="Arial" panose="020B0604020202020204" pitchFamily="34" charset="0"/>
-              <a:buChar char="•"/>
-            </a:pPr>
-            <a:endParaRPr lang="en-US" dirty="0">
-              <a:latin typeface="Avenir Book"/>
-            </a:endParaRPr>
-          </a:p>
-          <a:p>
-            <a:pPr marL="342900" indent="-342900" algn="l">
-              <a:buFont typeface="Arial" panose="020B0604020202020204" pitchFamily="34" charset="0"/>
-              <a:buChar char="•"/>
-            </a:pPr>
-            <a:r>
-              <a:rPr lang="en-US" dirty="0">
-                <a:latin typeface="Avenir Book"/>
-              </a:rPr>
-              <a:t>Add an AI opponent who chases the player</a:t>
-            </a:r>
-          </a:p>
-          <a:p>
-            <a:pPr marL="342900" indent="-342900" algn="l">
-              <a:buFont typeface="Arial" panose="020B0604020202020204" pitchFamily="34" charset="0"/>
-              <a:buChar char="•"/>
-            </a:pPr>
-            <a:endParaRPr lang="en-US" dirty="0">
-              <a:latin typeface="Avenir Book"/>
-            </a:endParaRPr>
-          </a:p>
-          <a:p>
-            <a:pPr marL="342900" indent="-342900" algn="l">
-              <a:buFont typeface="Arial" panose="020B0604020202020204" pitchFamily="34" charset="0"/>
-              <a:buChar char="•"/>
-            </a:pPr>
-            <a:r>
-              <a:rPr lang="en-US" dirty="0">
-                <a:latin typeface="Avenir Book"/>
-              </a:rPr>
-              <a:t>Keep track of the time required to beat the level</a:t>
-            </a:r>
-          </a:p>
-        </p:txBody>
-      </p:sp>
-    </p:spTree>
-    <p:extLst>
-      <p:ext uri="{BB962C8B-B14F-4D97-AF65-F5344CB8AC3E}">
-        <p14:creationId xmlns:p14="http://schemas.microsoft.com/office/powerpoint/2010/main" val="1828920645"/>
       </p:ext>
     </p:extLst>
   </p:cSld>
